--- a/Documentação/Apresentação - Sprint 2.pptx
+++ b/Documentação/Apresentação - Sprint 2.pptx
@@ -123,7 +123,7 @@
 <file path=ppt/revisionInfo.xml><?xml version="1.0" encoding="utf-8"?>
 <p1510:revInfo xmlns:a="http://schemas.openxmlformats.org/drawingml/2006/main" xmlns:r="http://schemas.openxmlformats.org/officeDocument/2006/relationships" xmlns:p1510="http://schemas.microsoft.com/office/powerpoint/2015/10/main">
   <p1510:revLst>
-    <p1510:client id="{0FED219A-7BCA-49C3-937D-E3FA7E6DD874}" v="35" dt="2020-05-05T18:17:04.447"/>
+    <p1510:client id="{0FED219A-7BCA-49C3-937D-E3FA7E6DD874}" v="47" dt="2020-05-05T21:10:28.758"/>
   </p1510:revLst>
 </p1510:revInfo>
 </file>
@@ -133,7 +133,7 @@
   <pc:docChgLst>
     <pc:chgData name="Fernando C Correa" userId="a08d7f3c16d54179" providerId="LiveId" clId="{0FED219A-7BCA-49C3-937D-E3FA7E6DD874}"/>
     <pc:docChg chg="undo custSel mod addSld delSld modSld">
-      <pc:chgData name="Fernando C Correa" userId="a08d7f3c16d54179" providerId="LiveId" clId="{0FED219A-7BCA-49C3-937D-E3FA7E6DD874}" dt="2020-05-05T18:17:13.456" v="140" actId="1076"/>
+      <pc:chgData name="Fernando C Correa" userId="a08d7f3c16d54179" providerId="LiveId" clId="{0FED219A-7BCA-49C3-937D-E3FA7E6DD874}" dt="2020-05-05T21:10:28.757" v="164"/>
       <pc:docMkLst>
         <pc:docMk/>
       </pc:docMkLst>
@@ -261,8 +261,8 @@
           </ac:picMkLst>
         </pc:picChg>
       </pc:sldChg>
-      <pc:sldChg chg="addSp delSp modSp mod">
-        <pc:chgData name="Fernando C Correa" userId="a08d7f3c16d54179" providerId="LiveId" clId="{0FED219A-7BCA-49C3-937D-E3FA7E6DD874}" dt="2020-05-05T18:00:14.850" v="11" actId="478"/>
+      <pc:sldChg chg="addSp delSp modSp mod modAnim">
+        <pc:chgData name="Fernando C Correa" userId="a08d7f3c16d54179" providerId="LiveId" clId="{0FED219A-7BCA-49C3-937D-E3FA7E6DD874}" dt="2020-05-05T21:10:24.877" v="163"/>
         <pc:sldMkLst>
           <pc:docMk/>
           <pc:sldMk cId="2810316160" sldId="280"/>
@@ -275,6 +275,21 @@
             <ac:picMk id="11" creationId="{13C9E995-0FF4-418D-8CC6-F47178263203}"/>
           </ac:picMkLst>
         </pc:picChg>
+      </pc:sldChg>
+      <pc:sldChg chg="modSp modAnim">
+        <pc:chgData name="Fernando C Correa" userId="a08d7f3c16d54179" providerId="LiveId" clId="{0FED219A-7BCA-49C3-937D-E3FA7E6DD874}" dt="2020-05-05T21:10:28.757" v="164"/>
+        <pc:sldMkLst>
+          <pc:docMk/>
+          <pc:sldMk cId="3542761506" sldId="281"/>
+        </pc:sldMkLst>
+        <pc:graphicFrameChg chg="mod">
+          <ac:chgData name="Fernando C Correa" userId="a08d7f3c16d54179" providerId="LiveId" clId="{0FED219A-7BCA-49C3-937D-E3FA7E6DD874}" dt="2020-05-05T20:46:13.278" v="149" actId="20577"/>
+          <ac:graphicFrameMkLst>
+            <pc:docMk/>
+            <pc:sldMk cId="3542761506" sldId="281"/>
+            <ac:graphicFrameMk id="15" creationId="{00000000-0000-0000-0000-000000000000}"/>
+          </ac:graphicFrameMkLst>
+        </pc:graphicFrameChg>
       </pc:sldChg>
       <pc:sldChg chg="addSp delSp modSp mod">
         <pc:chgData name="Fernando C Correa" userId="a08d7f3c16d54179" providerId="LiveId" clId="{0FED219A-7BCA-49C3-937D-E3FA7E6DD874}" dt="2020-05-05T18:01:31.157" v="26" actId="478"/>
@@ -426,13 +441,13 @@
         </pc:picChg>
       </pc:sldChg>
       <pc:sldChg chg="addSp delSp modSp add mod">
-        <pc:chgData name="Fernando C Correa" userId="a08d7f3c16d54179" providerId="LiveId" clId="{0FED219A-7BCA-49C3-937D-E3FA7E6DD874}" dt="2020-05-05T18:08:53.264" v="133" actId="207"/>
+        <pc:chgData name="Fernando C Correa" userId="a08d7f3c16d54179" providerId="LiveId" clId="{0FED219A-7BCA-49C3-937D-E3FA7E6DD874}" dt="2020-05-05T20:48:16.913" v="156" actId="20577"/>
         <pc:sldMkLst>
           <pc:docMk/>
           <pc:sldMk cId="1290913563" sldId="286"/>
         </pc:sldMkLst>
         <pc:spChg chg="mod">
-          <ac:chgData name="Fernando C Correa" userId="a08d7f3c16d54179" providerId="LiveId" clId="{0FED219A-7BCA-49C3-937D-E3FA7E6DD874}" dt="2020-05-05T18:03:46.834" v="90"/>
+          <ac:chgData name="Fernando C Correa" userId="a08d7f3c16d54179" providerId="LiveId" clId="{0FED219A-7BCA-49C3-937D-E3FA7E6DD874}" dt="2020-05-05T20:48:16.913" v="156" actId="20577"/>
           <ac:spMkLst>
             <pc:docMk/>
             <pc:sldMk cId="1290913563" sldId="286"/>
@@ -528,7 +543,7 @@
         </pc:picChg>
       </pc:sldChg>
       <pc:sldChg chg="addSp delSp modSp add mod">
-        <pc:chgData name="Fernando C Correa" userId="a08d7f3c16d54179" providerId="LiveId" clId="{0FED219A-7BCA-49C3-937D-E3FA7E6DD874}" dt="2020-05-05T18:17:13.456" v="140" actId="1076"/>
+        <pc:chgData name="Fernando C Correa" userId="a08d7f3c16d54179" providerId="LiveId" clId="{0FED219A-7BCA-49C3-937D-E3FA7E6DD874}" dt="2020-05-05T20:59:19.748" v="162" actId="1076"/>
         <pc:sldMkLst>
           <pc:docMk/>
           <pc:sldMk cId="4264086694" sldId="288"/>
@@ -557,12 +572,20 @@
             <ac:graphicFrameMk id="5" creationId="{00000000-0000-0000-0000-000000000000}"/>
           </ac:graphicFrameMkLst>
         </pc:graphicFrameChg>
-        <pc:picChg chg="add mod">
-          <ac:chgData name="Fernando C Correa" userId="a08d7f3c16d54179" providerId="LiveId" clId="{0FED219A-7BCA-49C3-937D-E3FA7E6DD874}" dt="2020-05-05T18:17:13.456" v="140" actId="1076"/>
+        <pc:picChg chg="add del mod">
+          <ac:chgData name="Fernando C Correa" userId="a08d7f3c16d54179" providerId="LiveId" clId="{0FED219A-7BCA-49C3-937D-E3FA7E6DD874}" dt="2020-05-05T20:59:10.762" v="161" actId="478"/>
           <ac:picMkLst>
             <pc:docMk/>
             <pc:sldMk cId="4264086694" sldId="288"/>
             <ac:picMk id="4" creationId="{C85D719A-5393-4907-A6BE-7BD00E1CD0AC}"/>
+          </ac:picMkLst>
+        </pc:picChg>
+        <pc:picChg chg="add mod">
+          <ac:chgData name="Fernando C Correa" userId="a08d7f3c16d54179" providerId="LiveId" clId="{0FED219A-7BCA-49C3-937D-E3FA7E6DD874}" dt="2020-05-05T20:59:19.748" v="162" actId="1076"/>
+          <ac:picMkLst>
+            <pc:docMk/>
+            <pc:sldMk cId="4264086694" sldId="288"/>
+            <ac:picMk id="5" creationId="{719194C0-71DB-4079-83CE-40E5CD7645C0}"/>
           </ac:picMkLst>
         </pc:picChg>
         <pc:picChg chg="add del mod">
@@ -9685,7 +9708,7 @@
           </a:pPr>
           <a:r>
             <a:rPr lang="en-US" sz="1700" dirty="0"/>
-            <a:t>MATCHMAKING INJUSTO</a:t>
+            <a:t>MATCHMAKING JUSTO</a:t>
           </a:r>
         </a:p>
       </dgm:t>
@@ -11449,7 +11472,7 @@
           </a:pPr>
           <a:r>
             <a:rPr lang="en-US" sz="1700" kern="1200" dirty="0"/>
-            <a:t>MATCHMAKING INJUSTO</a:t>
+            <a:t>MATCHMAKING JUSTO</a:t>
           </a:r>
         </a:p>
       </dsp:txBody>
@@ -27373,262 +27396,6 @@
   <p:clrMapOvr>
     <a:masterClrMapping/>
   </p:clrMapOvr>
-  <p:timing>
-    <p:tnLst>
-      <p:par>
-        <p:cTn id="1" dur="indefinite" restart="never" nodeType="tmRoot">
-          <p:childTnLst>
-            <p:seq concurrent="1" nextAc="seek">
-              <p:cTn id="2" dur="indefinite" nodeType="mainSeq">
-                <p:childTnLst>
-                  <p:par>
-                    <p:cTn id="3" fill="hold">
-                      <p:stCondLst>
-                        <p:cond delay="indefinite"/>
-                      </p:stCondLst>
-                      <p:childTnLst>
-                        <p:par>
-                          <p:cTn id="4" fill="hold">
-                            <p:stCondLst>
-                              <p:cond delay="0"/>
-                            </p:stCondLst>
-                            <p:childTnLst>
-                              <p:par>
-                                <p:cTn id="5" presetID="10" presetClass="entr" presetSubtype="0" fill="hold" grpId="0" nodeType="clickEffect">
-                                  <p:stCondLst>
-                                    <p:cond delay="0"/>
-                                  </p:stCondLst>
-                                  <p:childTnLst>
-                                    <p:set>
-                                      <p:cBhvr>
-                                        <p:cTn id="6" dur="1" fill="hold">
-                                          <p:stCondLst>
-                                            <p:cond delay="0"/>
-                                          </p:stCondLst>
-                                        </p:cTn>
-                                        <p:tgtEl>
-                                          <p:spTgt spid="24"/>
-                                        </p:tgtEl>
-                                        <p:attrNameLst>
-                                          <p:attrName>style.visibility</p:attrName>
-                                        </p:attrNameLst>
-                                      </p:cBhvr>
-                                      <p:to>
-                                        <p:strVal val="visible"/>
-                                      </p:to>
-                                    </p:set>
-                                    <p:animEffect transition="in" filter="fade">
-                                      <p:cBhvr>
-                                        <p:cTn id="7" dur="500"/>
-                                        <p:tgtEl>
-                                          <p:spTgt spid="24"/>
-                                        </p:tgtEl>
-                                      </p:cBhvr>
-                                    </p:animEffect>
-                                  </p:childTnLst>
-                                </p:cTn>
-                              </p:par>
-                            </p:childTnLst>
-                          </p:cTn>
-                        </p:par>
-                      </p:childTnLst>
-                    </p:cTn>
-                  </p:par>
-                  <p:par>
-                    <p:cTn id="8" fill="hold">
-                      <p:stCondLst>
-                        <p:cond delay="indefinite"/>
-                      </p:stCondLst>
-                      <p:childTnLst>
-                        <p:par>
-                          <p:cTn id="9" fill="hold">
-                            <p:stCondLst>
-                              <p:cond delay="0"/>
-                            </p:stCondLst>
-                            <p:childTnLst>
-                              <p:par>
-                                <p:cTn id="10" presetID="10" presetClass="entr" presetSubtype="0" fill="hold" grpId="0" nodeType="clickEffect">
-                                  <p:stCondLst>
-                                    <p:cond delay="0"/>
-                                  </p:stCondLst>
-                                  <p:childTnLst>
-                                    <p:set>
-                                      <p:cBhvr>
-                                        <p:cTn id="11" dur="1" fill="hold">
-                                          <p:stCondLst>
-                                            <p:cond delay="0"/>
-                                          </p:stCondLst>
-                                        </p:cTn>
-                                        <p:tgtEl>
-                                          <p:spTgt spid="27"/>
-                                        </p:tgtEl>
-                                        <p:attrNameLst>
-                                          <p:attrName>style.visibility</p:attrName>
-                                        </p:attrNameLst>
-                                      </p:cBhvr>
-                                      <p:to>
-                                        <p:strVal val="visible"/>
-                                      </p:to>
-                                    </p:set>
-                                    <p:animEffect transition="in" filter="fade">
-                                      <p:cBhvr>
-                                        <p:cTn id="12" dur="500"/>
-                                        <p:tgtEl>
-                                          <p:spTgt spid="27"/>
-                                        </p:tgtEl>
-                                      </p:cBhvr>
-                                    </p:animEffect>
-                                  </p:childTnLst>
-                                </p:cTn>
-                              </p:par>
-                            </p:childTnLst>
-                          </p:cTn>
-                        </p:par>
-                      </p:childTnLst>
-                    </p:cTn>
-                  </p:par>
-                  <p:par>
-                    <p:cTn id="13" fill="hold">
-                      <p:stCondLst>
-                        <p:cond delay="indefinite"/>
-                      </p:stCondLst>
-                      <p:childTnLst>
-                        <p:par>
-                          <p:cTn id="14" fill="hold">
-                            <p:stCondLst>
-                              <p:cond delay="0"/>
-                            </p:stCondLst>
-                            <p:childTnLst>
-                              <p:par>
-                                <p:cTn id="15" presetID="10" presetClass="entr" presetSubtype="0" fill="hold" grpId="0" nodeType="clickEffect">
-                                  <p:stCondLst>
-                                    <p:cond delay="0"/>
-                                  </p:stCondLst>
-                                  <p:childTnLst>
-                                    <p:set>
-                                      <p:cBhvr>
-                                        <p:cTn id="16" dur="1" fill="hold">
-                                          <p:stCondLst>
-                                            <p:cond delay="0"/>
-                                          </p:stCondLst>
-                                        </p:cTn>
-                                        <p:tgtEl>
-                                          <p:spTgt spid="26"/>
-                                        </p:tgtEl>
-                                        <p:attrNameLst>
-                                          <p:attrName>style.visibility</p:attrName>
-                                        </p:attrNameLst>
-                                      </p:cBhvr>
-                                      <p:to>
-                                        <p:strVal val="visible"/>
-                                      </p:to>
-                                    </p:set>
-                                    <p:animEffect transition="in" filter="fade">
-                                      <p:cBhvr>
-                                        <p:cTn id="17" dur="500"/>
-                                        <p:tgtEl>
-                                          <p:spTgt spid="26"/>
-                                        </p:tgtEl>
-                                      </p:cBhvr>
-                                    </p:animEffect>
-                                  </p:childTnLst>
-                                </p:cTn>
-                              </p:par>
-                            </p:childTnLst>
-                          </p:cTn>
-                        </p:par>
-                      </p:childTnLst>
-                    </p:cTn>
-                  </p:par>
-                  <p:par>
-                    <p:cTn id="18" fill="hold">
-                      <p:stCondLst>
-                        <p:cond delay="indefinite"/>
-                      </p:stCondLst>
-                      <p:childTnLst>
-                        <p:par>
-                          <p:cTn id="19" fill="hold">
-                            <p:stCondLst>
-                              <p:cond delay="0"/>
-                            </p:stCondLst>
-                            <p:childTnLst>
-                              <p:par>
-                                <p:cTn id="20" presetID="10" presetClass="entr" presetSubtype="0" fill="hold" grpId="0" nodeType="clickEffect">
-                                  <p:stCondLst>
-                                    <p:cond delay="0"/>
-                                  </p:stCondLst>
-                                  <p:childTnLst>
-                                    <p:set>
-                                      <p:cBhvr>
-                                        <p:cTn id="21" dur="1" fill="hold">
-                                          <p:stCondLst>
-                                            <p:cond delay="0"/>
-                                          </p:stCondLst>
-                                        </p:cTn>
-                                        <p:tgtEl>
-                                          <p:spTgt spid="25"/>
-                                        </p:tgtEl>
-                                        <p:attrNameLst>
-                                          <p:attrName>style.visibility</p:attrName>
-                                        </p:attrNameLst>
-                                      </p:cBhvr>
-                                      <p:to>
-                                        <p:strVal val="visible"/>
-                                      </p:to>
-                                    </p:set>
-                                    <p:animEffect transition="in" filter="fade">
-                                      <p:cBhvr>
-                                        <p:cTn id="22" dur="500"/>
-                                        <p:tgtEl>
-                                          <p:spTgt spid="25"/>
-                                        </p:tgtEl>
-                                      </p:cBhvr>
-                                    </p:animEffect>
-                                  </p:childTnLst>
-                                </p:cTn>
-                              </p:par>
-                            </p:childTnLst>
-                          </p:cTn>
-                        </p:par>
-                      </p:childTnLst>
-                    </p:cTn>
-                  </p:par>
-                </p:childTnLst>
-              </p:cTn>
-              <p:prevCondLst>
-                <p:cond evt="onPrev" delay="0">
-                  <p:tgtEl>
-                    <p:sldTgt/>
-                  </p:tgtEl>
-                </p:cond>
-              </p:prevCondLst>
-              <p:nextCondLst>
-                <p:cond evt="onNext" delay="0">
-                  <p:tgtEl>
-                    <p:sldTgt/>
-                  </p:tgtEl>
-                </p:cond>
-              </p:nextCondLst>
-            </p:seq>
-          </p:childTnLst>
-        </p:cTn>
-      </p:par>
-    </p:tnLst>
-    <p:bldLst>
-      <p:bldGraphic spid="24" grpId="0">
-        <p:bldAsOne/>
-      </p:bldGraphic>
-      <p:bldGraphic spid="25" grpId="0">
-        <p:bldAsOne/>
-      </p:bldGraphic>
-      <p:bldGraphic spid="26" grpId="0">
-        <p:bldAsOne/>
-      </p:bldGraphic>
-      <p:bldGraphic spid="27" grpId="0">
-        <p:bldAsOne/>
-      </p:bldGraphic>
-    </p:bldLst>
-  </p:timing>
 </p:sld>
 </file>
 
@@ -28092,7 +27859,13 @@
         <p:nvGraphicFramePr>
           <p:cNvPr id="15" name="Espaço Reservado para Conteúdo 2"/>
           <p:cNvGraphicFramePr/>
-          <p:nvPr/>
+          <p:nvPr>
+            <p:extLst>
+              <p:ext uri="{D42A27DB-BD31-4B8C-83A1-F6EECF244321}">
+                <p14:modId xmlns:p14="http://schemas.microsoft.com/office/powerpoint/2010/main" val="1903787147"/>
+              </p:ext>
+            </p:extLst>
+          </p:nvPr>
         </p:nvGraphicFramePr>
         <p:xfrm>
           <a:off x="8250344" y="2968216"/>
@@ -28146,262 +27919,6 @@
   <p:clrMapOvr>
     <a:masterClrMapping/>
   </p:clrMapOvr>
-  <p:timing>
-    <p:tnLst>
-      <p:par>
-        <p:cTn id="1" dur="indefinite" restart="never" nodeType="tmRoot">
-          <p:childTnLst>
-            <p:seq concurrent="1" nextAc="seek">
-              <p:cTn id="2" dur="indefinite" nodeType="mainSeq">
-                <p:childTnLst>
-                  <p:par>
-                    <p:cTn id="3" fill="hold">
-                      <p:stCondLst>
-                        <p:cond delay="indefinite"/>
-                      </p:stCondLst>
-                      <p:childTnLst>
-                        <p:par>
-                          <p:cTn id="4" fill="hold">
-                            <p:stCondLst>
-                              <p:cond delay="0"/>
-                            </p:stCondLst>
-                            <p:childTnLst>
-                              <p:par>
-                                <p:cTn id="5" presetID="10" presetClass="entr" presetSubtype="0" fill="hold" grpId="0" nodeType="clickEffect">
-                                  <p:stCondLst>
-                                    <p:cond delay="0"/>
-                                  </p:stCondLst>
-                                  <p:childTnLst>
-                                    <p:set>
-                                      <p:cBhvr>
-                                        <p:cTn id="6" dur="1" fill="hold">
-                                          <p:stCondLst>
-                                            <p:cond delay="0"/>
-                                          </p:stCondLst>
-                                        </p:cTn>
-                                        <p:tgtEl>
-                                          <p:spTgt spid="11"/>
-                                        </p:tgtEl>
-                                        <p:attrNameLst>
-                                          <p:attrName>style.visibility</p:attrName>
-                                        </p:attrNameLst>
-                                      </p:cBhvr>
-                                      <p:to>
-                                        <p:strVal val="visible"/>
-                                      </p:to>
-                                    </p:set>
-                                    <p:animEffect transition="in" filter="fade">
-                                      <p:cBhvr>
-                                        <p:cTn id="7" dur="500"/>
-                                        <p:tgtEl>
-                                          <p:spTgt spid="11"/>
-                                        </p:tgtEl>
-                                      </p:cBhvr>
-                                    </p:animEffect>
-                                  </p:childTnLst>
-                                </p:cTn>
-                              </p:par>
-                            </p:childTnLst>
-                          </p:cTn>
-                        </p:par>
-                      </p:childTnLst>
-                    </p:cTn>
-                  </p:par>
-                  <p:par>
-                    <p:cTn id="8" fill="hold">
-                      <p:stCondLst>
-                        <p:cond delay="indefinite"/>
-                      </p:stCondLst>
-                      <p:childTnLst>
-                        <p:par>
-                          <p:cTn id="9" fill="hold">
-                            <p:stCondLst>
-                              <p:cond delay="0"/>
-                            </p:stCondLst>
-                            <p:childTnLst>
-                              <p:par>
-                                <p:cTn id="10" presetID="10" presetClass="entr" presetSubtype="0" fill="hold" grpId="0" nodeType="clickEffect">
-                                  <p:stCondLst>
-                                    <p:cond delay="0"/>
-                                  </p:stCondLst>
-                                  <p:childTnLst>
-                                    <p:set>
-                                      <p:cBhvr>
-                                        <p:cTn id="11" dur="1" fill="hold">
-                                          <p:stCondLst>
-                                            <p:cond delay="0"/>
-                                          </p:stCondLst>
-                                        </p:cTn>
-                                        <p:tgtEl>
-                                          <p:spTgt spid="16"/>
-                                        </p:tgtEl>
-                                        <p:attrNameLst>
-                                          <p:attrName>style.visibility</p:attrName>
-                                        </p:attrNameLst>
-                                      </p:cBhvr>
-                                      <p:to>
-                                        <p:strVal val="visible"/>
-                                      </p:to>
-                                    </p:set>
-                                    <p:animEffect transition="in" filter="fade">
-                                      <p:cBhvr>
-                                        <p:cTn id="12" dur="500"/>
-                                        <p:tgtEl>
-                                          <p:spTgt spid="16"/>
-                                        </p:tgtEl>
-                                      </p:cBhvr>
-                                    </p:animEffect>
-                                  </p:childTnLst>
-                                </p:cTn>
-                              </p:par>
-                            </p:childTnLst>
-                          </p:cTn>
-                        </p:par>
-                      </p:childTnLst>
-                    </p:cTn>
-                  </p:par>
-                  <p:par>
-                    <p:cTn id="13" fill="hold">
-                      <p:stCondLst>
-                        <p:cond delay="indefinite"/>
-                      </p:stCondLst>
-                      <p:childTnLst>
-                        <p:par>
-                          <p:cTn id="14" fill="hold">
-                            <p:stCondLst>
-                              <p:cond delay="0"/>
-                            </p:stCondLst>
-                            <p:childTnLst>
-                              <p:par>
-                                <p:cTn id="15" presetID="10" presetClass="entr" presetSubtype="0" fill="hold" grpId="0" nodeType="clickEffect">
-                                  <p:stCondLst>
-                                    <p:cond delay="0"/>
-                                  </p:stCondLst>
-                                  <p:childTnLst>
-                                    <p:set>
-                                      <p:cBhvr>
-                                        <p:cTn id="16" dur="1" fill="hold">
-                                          <p:stCondLst>
-                                            <p:cond delay="0"/>
-                                          </p:stCondLst>
-                                        </p:cTn>
-                                        <p:tgtEl>
-                                          <p:spTgt spid="17"/>
-                                        </p:tgtEl>
-                                        <p:attrNameLst>
-                                          <p:attrName>style.visibility</p:attrName>
-                                        </p:attrNameLst>
-                                      </p:cBhvr>
-                                      <p:to>
-                                        <p:strVal val="visible"/>
-                                      </p:to>
-                                    </p:set>
-                                    <p:animEffect transition="in" filter="fade">
-                                      <p:cBhvr>
-                                        <p:cTn id="17" dur="500"/>
-                                        <p:tgtEl>
-                                          <p:spTgt spid="17"/>
-                                        </p:tgtEl>
-                                      </p:cBhvr>
-                                    </p:animEffect>
-                                  </p:childTnLst>
-                                </p:cTn>
-                              </p:par>
-                            </p:childTnLst>
-                          </p:cTn>
-                        </p:par>
-                      </p:childTnLst>
-                    </p:cTn>
-                  </p:par>
-                  <p:par>
-                    <p:cTn id="18" fill="hold">
-                      <p:stCondLst>
-                        <p:cond delay="indefinite"/>
-                      </p:stCondLst>
-                      <p:childTnLst>
-                        <p:par>
-                          <p:cTn id="19" fill="hold">
-                            <p:stCondLst>
-                              <p:cond delay="0"/>
-                            </p:stCondLst>
-                            <p:childTnLst>
-                              <p:par>
-                                <p:cTn id="20" presetID="10" presetClass="entr" presetSubtype="0" fill="hold" grpId="0" nodeType="clickEffect">
-                                  <p:stCondLst>
-                                    <p:cond delay="0"/>
-                                  </p:stCondLst>
-                                  <p:childTnLst>
-                                    <p:set>
-                                      <p:cBhvr>
-                                        <p:cTn id="21" dur="1" fill="hold">
-                                          <p:stCondLst>
-                                            <p:cond delay="0"/>
-                                          </p:stCondLst>
-                                        </p:cTn>
-                                        <p:tgtEl>
-                                          <p:spTgt spid="15"/>
-                                        </p:tgtEl>
-                                        <p:attrNameLst>
-                                          <p:attrName>style.visibility</p:attrName>
-                                        </p:attrNameLst>
-                                      </p:cBhvr>
-                                      <p:to>
-                                        <p:strVal val="visible"/>
-                                      </p:to>
-                                    </p:set>
-                                    <p:animEffect transition="in" filter="fade">
-                                      <p:cBhvr>
-                                        <p:cTn id="22" dur="500"/>
-                                        <p:tgtEl>
-                                          <p:spTgt spid="15"/>
-                                        </p:tgtEl>
-                                      </p:cBhvr>
-                                    </p:animEffect>
-                                  </p:childTnLst>
-                                </p:cTn>
-                              </p:par>
-                            </p:childTnLst>
-                          </p:cTn>
-                        </p:par>
-                      </p:childTnLst>
-                    </p:cTn>
-                  </p:par>
-                </p:childTnLst>
-              </p:cTn>
-              <p:prevCondLst>
-                <p:cond evt="onPrev" delay="0">
-                  <p:tgtEl>
-                    <p:sldTgt/>
-                  </p:tgtEl>
-                </p:cond>
-              </p:prevCondLst>
-              <p:nextCondLst>
-                <p:cond evt="onNext" delay="0">
-                  <p:tgtEl>
-                    <p:sldTgt/>
-                  </p:tgtEl>
-                </p:cond>
-              </p:nextCondLst>
-            </p:seq>
-          </p:childTnLst>
-        </p:cTn>
-      </p:par>
-    </p:tnLst>
-    <p:bldLst>
-      <p:bldGraphic spid="11" grpId="0">
-        <p:bldAsOne/>
-      </p:bldGraphic>
-      <p:bldGraphic spid="15" grpId="0">
-        <p:bldAsOne/>
-      </p:bldGraphic>
-      <p:bldGraphic spid="16" grpId="0">
-        <p:bldAsOne/>
-      </p:bldGraphic>
-      <p:bldGraphic spid="17" grpId="0">
-        <p:bldAsOne/>
-      </p:bldGraphic>
-    </p:bldLst>
-  </p:timing>
 </p:sld>
 </file>
 
@@ -28923,7 +28440,7 @@
             </a:r>
             <a:r>
               <a:rPr lang="pt-BR" dirty="0"/>
-              <a:t> / Sprint Atualizados</a:t>
+              <a:t> / Sprint Backlog</a:t>
             </a:r>
           </a:p>
         </p:txBody>
@@ -30330,10 +29847,10 @@
       </p:grpSp>
       <p:pic>
         <p:nvPicPr>
-          <p:cNvPr id="4" name="Imagem 3" descr="Tela de celular com texto preto sobre fundo branco&#10;&#10;Descrição gerada automaticamente">
+          <p:cNvPr id="5" name="Imagem 4" descr="Tela de celular com texto preto sobre fundo branco&#10;&#10;Descrição gerada automaticamente">
             <a:extLst>
               <a:ext uri="{FF2B5EF4-FFF2-40B4-BE49-F238E27FC236}">
-                <a16:creationId xmlns:a16="http://schemas.microsoft.com/office/drawing/2014/main" id="{C85D719A-5393-4907-A6BE-7BD00E1CD0AC}"/>
+                <a16:creationId xmlns:a16="http://schemas.microsoft.com/office/drawing/2014/main" id="{719194C0-71DB-4079-83CE-40E5CD7645C0}"/>
               </a:ext>
             </a:extLst>
           </p:cNvPr>
